--- a/DsDotNet/src/UnitTest/UnitTest.Model/ImportOfficeExample/Sample/Lib/tester.pptx
+++ b/DsDotNet/src/UnitTest/UnitTest.Model/ImportOfficeExample/Sample/Lib/tester.pptx
@@ -216,7 +216,7 @@
           <a:p>
             <a:fld id="{DD503887-5801-43A0-AEF9-041E8DDC2558}" type="datetimeFigureOut">
               <a:rPr lang="ko-KR" altLang="en-US" smtClean="0"/>
-              <a:t>2023-01-23</a:t>
+              <a:t>2023-10-04</a:t>
             </a:fld>
             <a:endParaRPr lang="ko-KR" altLang="en-US" dirty="0"/>
           </a:p>
@@ -393,7 +393,7 @@
           <a:p>
             <a:fld id="{95336A0E-57B1-4D4C-BD9B-2F72B5943464}" type="datetimeFigureOut">
               <a:rPr lang="ko-KR" altLang="en-US" smtClean="0"/>
-              <a:t>2023-01-23</a:t>
+              <a:t>2023-10-04</a:t>
             </a:fld>
             <a:endParaRPr lang="ko-KR" altLang="en-US" dirty="0"/>
           </a:p>
@@ -839,7 +839,7 @@
           <a:effectLst/>
           <a:extLst>
             <a:ext uri="{91240B29-F687-4f45-9708-019B960494DF}">
-              <a14:hiddenLine xmlns:a14="http://schemas.microsoft.com/office/drawing/2010/main" xmlns="" w="9525">
+              <a14:hiddenLine xmlns="" xmlns:a14="http://schemas.microsoft.com/office/drawing/2010/main" w="9525">
                 <a:solidFill>
                   <a:srgbClr val="000000"/>
                 </a:solidFill>
@@ -1031,7 +1031,7 @@
           <a:p>
             <a:fld id="{229D12C7-0FF5-4972-A033-474EFFC79F40}" type="datetime1">
               <a:rPr lang="ko-KR" altLang="en-US" smtClean="0"/>
-              <a:t>2023-01-23</a:t>
+              <a:t>2023-10-04</a:t>
             </a:fld>
             <a:endParaRPr lang="ko-KR" altLang="en-US" dirty="0"/>
           </a:p>
@@ -1349,7 +1349,7 @@
           <a:p>
             <a:fld id="{C984B0C4-64BA-4E4C-B5E6-A51EE3F6ED95}" type="datetime1">
               <a:rPr lang="ko-KR" altLang="en-US" smtClean="0"/>
-              <a:t>2023-01-23</a:t>
+              <a:t>2023-10-04</a:t>
             </a:fld>
             <a:endParaRPr lang="ko-KR" altLang="en-US" dirty="0"/>
           </a:p>
@@ -1838,7 +1838,7 @@
           <a:p>
             <a:fld id="{C984B0C4-64BA-4E4C-B5E6-A51EE3F6ED95}" type="datetime1">
               <a:rPr lang="ko-KR" altLang="en-US" smtClean="0"/>
-              <a:t>2023-01-23</a:t>
+              <a:t>2023-10-04</a:t>
             </a:fld>
             <a:endParaRPr lang="ko-KR" altLang="en-US" dirty="0"/>
           </a:p>
@@ -2208,7 +2208,7 @@
           <a:p>
             <a:fld id="{C984B0C4-64BA-4E4C-B5E6-A51EE3F6ED95}" type="datetime1">
               <a:rPr lang="ko-KR" altLang="en-US" smtClean="0"/>
-              <a:t>2023-01-23</a:t>
+              <a:t>2023-10-04</a:t>
             </a:fld>
             <a:endParaRPr lang="ko-KR" altLang="en-US" dirty="0"/>
           </a:p>
@@ -2364,7 +2364,7 @@
           <a:ln/>
           <a:extLst>
             <a:ext uri="{91240B29-F687-4f45-9708-019B960494DF}">
-              <a14:hiddenLine xmlns:a14="http://schemas.microsoft.com/office/drawing/2010/main" xmlns="" w="9525">
+              <a14:hiddenLine xmlns="" xmlns:a14="http://schemas.microsoft.com/office/drawing/2010/main" w="9525">
                 <a:solidFill>
                   <a:srgbClr val="000000"/>
                 </a:solidFill>
@@ -2482,7 +2482,7 @@
           <a:p>
             <a:fld id="{5BA19FD4-B052-4F56-8FD8-EAFD078DEFB0}" type="datetime1">
               <a:rPr lang="ko-KR" altLang="en-US" smtClean="0"/>
-              <a:t>2023-01-23</a:t>
+              <a:t>2023-10-04</a:t>
             </a:fld>
             <a:endParaRPr lang="ko-KR" altLang="en-US" dirty="0"/>
           </a:p>
@@ -2639,7 +2639,7 @@
           <a:ln/>
           <a:extLst>
             <a:ext uri="{91240B29-F687-4f45-9708-019B960494DF}">
-              <a14:hiddenLine xmlns:a14="http://schemas.microsoft.com/office/drawing/2010/main" xmlns="" w="9525">
+              <a14:hiddenLine xmlns="" xmlns:a14="http://schemas.microsoft.com/office/drawing/2010/main" w="9525">
                 <a:solidFill>
                   <a:srgbClr val="000000"/>
                 </a:solidFill>
@@ -2767,7 +2767,7 @@
           <a:p>
             <a:fld id="{024994B9-23A6-4B0A-A038-AC140E83DAA3}" type="datetime1">
               <a:rPr lang="ko-KR" altLang="en-US" smtClean="0"/>
-              <a:t>2023-01-23</a:t>
+              <a:t>2023-10-04</a:t>
             </a:fld>
             <a:endParaRPr lang="ko-KR" altLang="en-US" dirty="0"/>
           </a:p>
@@ -2897,7 +2897,7 @@
           <a:p>
             <a:fld id="{B5B1BBC2-B738-4C35-AEE5-660EB2DEB482}" type="datetime1">
               <a:rPr lang="ko-KR" altLang="en-US" smtClean="0"/>
-              <a:t>2023-01-23</a:t>
+              <a:t>2023-10-04</a:t>
             </a:fld>
             <a:endParaRPr lang="ko-KR" altLang="en-US" dirty="0"/>
           </a:p>
@@ -7533,7 +7533,7 @@
           <a:ln/>
           <a:extLst>
             <a:ext uri="{91240B29-F687-4f45-9708-019B960494DF}">
-              <a14:hiddenLine xmlns:a14="http://schemas.microsoft.com/office/drawing/2010/main" xmlns="" w="9525">
+              <a14:hiddenLine xmlns="" xmlns:a14="http://schemas.microsoft.com/office/drawing/2010/main" w="9525">
                 <a:solidFill>
                   <a:srgbClr val="000000"/>
                 </a:solidFill>
@@ -7661,7 +7661,7 @@
           <a:p>
             <a:fld id="{70D0DAB2-87CB-4028-B965-3AA710ADF2CB}" type="datetime1">
               <a:rPr lang="ko-KR" altLang="en-US" smtClean="0"/>
-              <a:t>2023-01-23</a:t>
+              <a:t>2023-10-04</a:t>
             </a:fld>
             <a:endParaRPr lang="ko-KR" altLang="en-US" dirty="0"/>
           </a:p>
@@ -8004,7 +8004,7 @@
           <a:p>
             <a:fld id="{63FA3D71-FEA8-477F-9D1E-EA860F411BC7}" type="datetime1">
               <a:rPr lang="ko-KR" altLang="en-US" smtClean="0"/>
-              <a:t>2023-01-23</a:t>
+              <a:t>2023-10-04</a:t>
             </a:fld>
             <a:endParaRPr lang="ko-KR" altLang="en-US" dirty="0"/>
           </a:p>
@@ -8159,7 +8159,7 @@
           <a:ln/>
           <a:extLst>
             <a:ext uri="{91240B29-F687-4f45-9708-019B960494DF}">
-              <a14:hiddenLine xmlns:a14="http://schemas.microsoft.com/office/drawing/2010/main" xmlns="" w="9525">
+              <a14:hiddenLine xmlns="" xmlns:a14="http://schemas.microsoft.com/office/drawing/2010/main" w="9525">
                 <a:solidFill>
                   <a:srgbClr val="000000"/>
                 </a:solidFill>
@@ -8343,7 +8343,7 @@
           <a:p>
             <a:fld id="{F58E3EF4-7980-4C97-BA64-EC66995BB574}" type="datetime1">
               <a:rPr lang="ko-KR" altLang="en-US" smtClean="0"/>
-              <a:t>2023-01-23</a:t>
+              <a:t>2023-10-04</a:t>
             </a:fld>
             <a:endParaRPr lang="ko-KR" altLang="en-US" dirty="0"/>
           </a:p>
@@ -8498,7 +8498,7 @@
           <a:ln/>
           <a:extLst>
             <a:ext uri="{91240B29-F687-4f45-9708-019B960494DF}">
-              <a14:hiddenLine xmlns:a14="http://schemas.microsoft.com/office/drawing/2010/main" xmlns="" w="9525">
+              <a14:hiddenLine xmlns="" xmlns:a14="http://schemas.microsoft.com/office/drawing/2010/main" w="9525">
                 <a:solidFill>
                   <a:srgbClr val="000000"/>
                 </a:solidFill>
@@ -8820,7 +8820,7 @@
           <a:p>
             <a:fld id="{FC9BC1D0-7D6B-4634-9D19-644040D74EAE}" type="datetime1">
               <a:rPr lang="ko-KR" altLang="en-US" smtClean="0"/>
-              <a:t>2023-01-23</a:t>
+              <a:t>2023-10-04</a:t>
             </a:fld>
             <a:endParaRPr lang="ko-KR" altLang="en-US" dirty="0"/>
           </a:p>
@@ -8975,7 +8975,7 @@
           <a:ln/>
           <a:extLst>
             <a:ext uri="{91240B29-F687-4f45-9708-019B960494DF}">
-              <a14:hiddenLine xmlns:a14="http://schemas.microsoft.com/office/drawing/2010/main" xmlns="" w="9525">
+              <a14:hiddenLine xmlns="" xmlns:a14="http://schemas.microsoft.com/office/drawing/2010/main" w="9525">
                 <a:solidFill>
                   <a:srgbClr val="000000"/>
                 </a:solidFill>
@@ -9041,7 +9041,7 @@
           <a:p>
             <a:fld id="{B5B1BBC2-B738-4C35-AEE5-660EB2DEB482}" type="datetime1">
               <a:rPr lang="ko-KR" altLang="en-US" smtClean="0"/>
-              <a:t>2023-01-23</a:t>
+              <a:t>2023-10-04</a:t>
             </a:fld>
             <a:endParaRPr lang="ko-KR" altLang="en-US" dirty="0"/>
           </a:p>
@@ -13605,7 +13605,7 @@
           <a:p>
             <a:fld id="{C60E9F93-7E77-4F36-B88C-A425F00C8D91}" type="datetime1">
               <a:rPr lang="ko-KR" altLang="en-US" smtClean="0"/>
-              <a:t>2023-01-23</a:t>
+              <a:t>2023-10-04</a:t>
             </a:fld>
             <a:endParaRPr lang="ko-KR" altLang="en-US" dirty="0"/>
           </a:p>
@@ -13873,7 +13873,7 @@
           <a:ln/>
           <a:extLst>
             <a:ext uri="{91240B29-F687-4f45-9708-019B960494DF}">
-              <a14:hiddenLine xmlns:a14="http://schemas.microsoft.com/office/drawing/2010/main" xmlns="" w="9525">
+              <a14:hiddenLine xmlns="" xmlns:a14="http://schemas.microsoft.com/office/drawing/2010/main" w="9525">
                 <a:solidFill>
                   <a:srgbClr val="000000"/>
                 </a:solidFill>
@@ -14072,7 +14072,7 @@
           <a:p>
             <a:fld id="{36BCCD0E-2A54-4016-BFFC-FEAABCDA6915}" type="datetime1">
               <a:rPr lang="ko-KR" altLang="en-US" smtClean="0"/>
-              <a:t>2023-01-23</a:t>
+              <a:t>2023-10-04</a:t>
             </a:fld>
             <a:endParaRPr lang="ko-KR" altLang="en-US" dirty="0"/>
           </a:p>
@@ -14385,7 +14385,7 @@
           <a:p>
             <a:fld id="{C984B0C4-64BA-4E4C-B5E6-A51EE3F6ED95}" type="datetime1">
               <a:rPr lang="ko-KR" altLang="en-US" smtClean="0"/>
-              <a:t>2023-01-23</a:t>
+              <a:t>2023-10-04</a:t>
             </a:fld>
             <a:endParaRPr lang="ko-KR" altLang="en-US" dirty="0"/>
           </a:p>
@@ -14656,7 +14656,7 @@
           <a:p>
             <a:fld id="{C984B0C4-64BA-4E4C-B5E6-A51EE3F6ED95}" type="datetime1">
               <a:rPr lang="ko-KR" altLang="en-US" smtClean="0"/>
-              <a:t>2023-01-23</a:t>
+              <a:t>2023-10-04</a:t>
             </a:fld>
             <a:endParaRPr lang="ko-KR" altLang="en-US" dirty="0"/>
           </a:p>
@@ -15129,8 +15129,8 @@
           <a:lstStyle/>
           <a:p>
             <a:r>
-              <a:rPr lang="en-US" altLang="ko-KR" dirty="0"/>
-              <a:t>DS Unit Test</a:t>
+              <a:rPr lang="en-US" altLang="ko-KR"/>
+              <a:t>tester</a:t>
             </a:r>
             <a:endParaRPr lang="ko-KR" altLang="en-US" dirty="0"/>
           </a:p>

--- a/DsDotNet/src/UnitTest/UnitTest.Model/ImportOfficeExample/Sample/Lib/tester.pptx
+++ b/DsDotNet/src/UnitTest/UnitTest.Model/ImportOfficeExample/Sample/Lib/tester.pptx
@@ -216,7 +216,7 @@
           <a:p>
             <a:fld id="{DD503887-5801-43A0-AEF9-041E8DDC2558}" type="datetimeFigureOut">
               <a:rPr lang="ko-KR" altLang="en-US" smtClean="0"/>
-              <a:t>2023-10-04</a:t>
+              <a:t>2023-01-23</a:t>
             </a:fld>
             <a:endParaRPr lang="ko-KR" altLang="en-US" dirty="0"/>
           </a:p>
@@ -393,7 +393,7 @@
           <a:p>
             <a:fld id="{95336A0E-57B1-4D4C-BD9B-2F72B5943464}" type="datetimeFigureOut">
               <a:rPr lang="ko-KR" altLang="en-US" smtClean="0"/>
-              <a:t>2023-10-04</a:t>
+              <a:t>2023-01-23</a:t>
             </a:fld>
             <a:endParaRPr lang="ko-KR" altLang="en-US" dirty="0"/>
           </a:p>
@@ -839,7 +839,7 @@
           <a:effectLst/>
           <a:extLst>
             <a:ext uri="{91240B29-F687-4f45-9708-019B960494DF}">
-              <a14:hiddenLine xmlns="" xmlns:a14="http://schemas.microsoft.com/office/drawing/2010/main" w="9525">
+              <a14:hiddenLine xmlns:a14="http://schemas.microsoft.com/office/drawing/2010/main" xmlns="" w="9525">
                 <a:solidFill>
                   <a:srgbClr val="000000"/>
                 </a:solidFill>
@@ -1031,7 +1031,7 @@
           <a:p>
             <a:fld id="{229D12C7-0FF5-4972-A033-474EFFC79F40}" type="datetime1">
               <a:rPr lang="ko-KR" altLang="en-US" smtClean="0"/>
-              <a:t>2023-10-04</a:t>
+              <a:t>2023-01-23</a:t>
             </a:fld>
             <a:endParaRPr lang="ko-KR" altLang="en-US" dirty="0"/>
           </a:p>
@@ -1349,7 +1349,7 @@
           <a:p>
             <a:fld id="{C984B0C4-64BA-4E4C-B5E6-A51EE3F6ED95}" type="datetime1">
               <a:rPr lang="ko-KR" altLang="en-US" smtClean="0"/>
-              <a:t>2023-10-04</a:t>
+              <a:t>2023-01-23</a:t>
             </a:fld>
             <a:endParaRPr lang="ko-KR" altLang="en-US" dirty="0"/>
           </a:p>
@@ -1838,7 +1838,7 @@
           <a:p>
             <a:fld id="{C984B0C4-64BA-4E4C-B5E6-A51EE3F6ED95}" type="datetime1">
               <a:rPr lang="ko-KR" altLang="en-US" smtClean="0"/>
-              <a:t>2023-10-04</a:t>
+              <a:t>2023-01-23</a:t>
             </a:fld>
             <a:endParaRPr lang="ko-KR" altLang="en-US" dirty="0"/>
           </a:p>
@@ -2208,7 +2208,7 @@
           <a:p>
             <a:fld id="{C984B0C4-64BA-4E4C-B5E6-A51EE3F6ED95}" type="datetime1">
               <a:rPr lang="ko-KR" altLang="en-US" smtClean="0"/>
-              <a:t>2023-10-04</a:t>
+              <a:t>2023-01-23</a:t>
             </a:fld>
             <a:endParaRPr lang="ko-KR" altLang="en-US" dirty="0"/>
           </a:p>
@@ -2364,7 +2364,7 @@
           <a:ln/>
           <a:extLst>
             <a:ext uri="{91240B29-F687-4f45-9708-019B960494DF}">
-              <a14:hiddenLine xmlns="" xmlns:a14="http://schemas.microsoft.com/office/drawing/2010/main" w="9525">
+              <a14:hiddenLine xmlns:a14="http://schemas.microsoft.com/office/drawing/2010/main" xmlns="" w="9525">
                 <a:solidFill>
                   <a:srgbClr val="000000"/>
                 </a:solidFill>
@@ -2482,7 +2482,7 @@
           <a:p>
             <a:fld id="{5BA19FD4-B052-4F56-8FD8-EAFD078DEFB0}" type="datetime1">
               <a:rPr lang="ko-KR" altLang="en-US" smtClean="0"/>
-              <a:t>2023-10-04</a:t>
+              <a:t>2023-01-23</a:t>
             </a:fld>
             <a:endParaRPr lang="ko-KR" altLang="en-US" dirty="0"/>
           </a:p>
@@ -2639,7 +2639,7 @@
           <a:ln/>
           <a:extLst>
             <a:ext uri="{91240B29-F687-4f45-9708-019B960494DF}">
-              <a14:hiddenLine xmlns="" xmlns:a14="http://schemas.microsoft.com/office/drawing/2010/main" w="9525">
+              <a14:hiddenLine xmlns:a14="http://schemas.microsoft.com/office/drawing/2010/main" xmlns="" w="9525">
                 <a:solidFill>
                   <a:srgbClr val="000000"/>
                 </a:solidFill>
@@ -2767,7 +2767,7 @@
           <a:p>
             <a:fld id="{024994B9-23A6-4B0A-A038-AC140E83DAA3}" type="datetime1">
               <a:rPr lang="ko-KR" altLang="en-US" smtClean="0"/>
-              <a:t>2023-10-04</a:t>
+              <a:t>2023-01-23</a:t>
             </a:fld>
             <a:endParaRPr lang="ko-KR" altLang="en-US" dirty="0"/>
           </a:p>
@@ -2897,7 +2897,7 @@
           <a:p>
             <a:fld id="{B5B1BBC2-B738-4C35-AEE5-660EB2DEB482}" type="datetime1">
               <a:rPr lang="ko-KR" altLang="en-US" smtClean="0"/>
-              <a:t>2023-10-04</a:t>
+              <a:t>2023-01-23</a:t>
             </a:fld>
             <a:endParaRPr lang="ko-KR" altLang="en-US" dirty="0"/>
           </a:p>
@@ -7533,7 +7533,7 @@
           <a:ln/>
           <a:extLst>
             <a:ext uri="{91240B29-F687-4f45-9708-019B960494DF}">
-              <a14:hiddenLine xmlns="" xmlns:a14="http://schemas.microsoft.com/office/drawing/2010/main" w="9525">
+              <a14:hiddenLine xmlns:a14="http://schemas.microsoft.com/office/drawing/2010/main" xmlns="" w="9525">
                 <a:solidFill>
                   <a:srgbClr val="000000"/>
                 </a:solidFill>
@@ -7661,7 +7661,7 @@
           <a:p>
             <a:fld id="{70D0DAB2-87CB-4028-B965-3AA710ADF2CB}" type="datetime1">
               <a:rPr lang="ko-KR" altLang="en-US" smtClean="0"/>
-              <a:t>2023-10-04</a:t>
+              <a:t>2023-01-23</a:t>
             </a:fld>
             <a:endParaRPr lang="ko-KR" altLang="en-US" dirty="0"/>
           </a:p>
@@ -8004,7 +8004,7 @@
           <a:p>
             <a:fld id="{63FA3D71-FEA8-477F-9D1E-EA860F411BC7}" type="datetime1">
               <a:rPr lang="ko-KR" altLang="en-US" smtClean="0"/>
-              <a:t>2023-10-04</a:t>
+              <a:t>2023-01-23</a:t>
             </a:fld>
             <a:endParaRPr lang="ko-KR" altLang="en-US" dirty="0"/>
           </a:p>
@@ -8159,7 +8159,7 @@
           <a:ln/>
           <a:extLst>
             <a:ext uri="{91240B29-F687-4f45-9708-019B960494DF}">
-              <a14:hiddenLine xmlns="" xmlns:a14="http://schemas.microsoft.com/office/drawing/2010/main" w="9525">
+              <a14:hiddenLine xmlns:a14="http://schemas.microsoft.com/office/drawing/2010/main" xmlns="" w="9525">
                 <a:solidFill>
                   <a:srgbClr val="000000"/>
                 </a:solidFill>
@@ -8343,7 +8343,7 @@
           <a:p>
             <a:fld id="{F58E3EF4-7980-4C97-BA64-EC66995BB574}" type="datetime1">
               <a:rPr lang="ko-KR" altLang="en-US" smtClean="0"/>
-              <a:t>2023-10-04</a:t>
+              <a:t>2023-01-23</a:t>
             </a:fld>
             <a:endParaRPr lang="ko-KR" altLang="en-US" dirty="0"/>
           </a:p>
@@ -8498,7 +8498,7 @@
           <a:ln/>
           <a:extLst>
             <a:ext uri="{91240B29-F687-4f45-9708-019B960494DF}">
-              <a14:hiddenLine xmlns="" xmlns:a14="http://schemas.microsoft.com/office/drawing/2010/main" w="9525">
+              <a14:hiddenLine xmlns:a14="http://schemas.microsoft.com/office/drawing/2010/main" xmlns="" w="9525">
                 <a:solidFill>
                   <a:srgbClr val="000000"/>
                 </a:solidFill>
@@ -8820,7 +8820,7 @@
           <a:p>
             <a:fld id="{FC9BC1D0-7D6B-4634-9D19-644040D74EAE}" type="datetime1">
               <a:rPr lang="ko-KR" altLang="en-US" smtClean="0"/>
-              <a:t>2023-10-04</a:t>
+              <a:t>2023-01-23</a:t>
             </a:fld>
             <a:endParaRPr lang="ko-KR" altLang="en-US" dirty="0"/>
           </a:p>
@@ -8975,7 +8975,7 @@
           <a:ln/>
           <a:extLst>
             <a:ext uri="{91240B29-F687-4f45-9708-019B960494DF}">
-              <a14:hiddenLine xmlns="" xmlns:a14="http://schemas.microsoft.com/office/drawing/2010/main" w="9525">
+              <a14:hiddenLine xmlns:a14="http://schemas.microsoft.com/office/drawing/2010/main" xmlns="" w="9525">
                 <a:solidFill>
                   <a:srgbClr val="000000"/>
                 </a:solidFill>
@@ -9041,7 +9041,7 @@
           <a:p>
             <a:fld id="{B5B1BBC2-B738-4C35-AEE5-660EB2DEB482}" type="datetime1">
               <a:rPr lang="ko-KR" altLang="en-US" smtClean="0"/>
-              <a:t>2023-10-04</a:t>
+              <a:t>2023-01-23</a:t>
             </a:fld>
             <a:endParaRPr lang="ko-KR" altLang="en-US" dirty="0"/>
           </a:p>
@@ -13605,7 +13605,7 @@
           <a:p>
             <a:fld id="{C60E9F93-7E77-4F36-B88C-A425F00C8D91}" type="datetime1">
               <a:rPr lang="ko-KR" altLang="en-US" smtClean="0"/>
-              <a:t>2023-10-04</a:t>
+              <a:t>2023-01-23</a:t>
             </a:fld>
             <a:endParaRPr lang="ko-KR" altLang="en-US" dirty="0"/>
           </a:p>
@@ -13873,7 +13873,7 @@
           <a:ln/>
           <a:extLst>
             <a:ext uri="{91240B29-F687-4f45-9708-019B960494DF}">
-              <a14:hiddenLine xmlns="" xmlns:a14="http://schemas.microsoft.com/office/drawing/2010/main" w="9525">
+              <a14:hiddenLine xmlns:a14="http://schemas.microsoft.com/office/drawing/2010/main" xmlns="" w="9525">
                 <a:solidFill>
                   <a:srgbClr val="000000"/>
                 </a:solidFill>
@@ -14072,7 +14072,7 @@
           <a:p>
             <a:fld id="{36BCCD0E-2A54-4016-BFFC-FEAABCDA6915}" type="datetime1">
               <a:rPr lang="ko-KR" altLang="en-US" smtClean="0"/>
-              <a:t>2023-10-04</a:t>
+              <a:t>2023-01-23</a:t>
             </a:fld>
             <a:endParaRPr lang="ko-KR" altLang="en-US" dirty="0"/>
           </a:p>
@@ -14385,7 +14385,7 @@
           <a:p>
             <a:fld id="{C984B0C4-64BA-4E4C-B5E6-A51EE3F6ED95}" type="datetime1">
               <a:rPr lang="ko-KR" altLang="en-US" smtClean="0"/>
-              <a:t>2023-10-04</a:t>
+              <a:t>2023-01-23</a:t>
             </a:fld>
             <a:endParaRPr lang="ko-KR" altLang="en-US" dirty="0"/>
           </a:p>
@@ -14656,7 +14656,7 @@
           <a:p>
             <a:fld id="{C984B0C4-64BA-4E4C-B5E6-A51EE3F6ED95}" type="datetime1">
               <a:rPr lang="ko-KR" altLang="en-US" smtClean="0"/>
-              <a:t>2023-10-04</a:t>
+              <a:t>2023-01-23</a:t>
             </a:fld>
             <a:endParaRPr lang="ko-KR" altLang="en-US" dirty="0"/>
           </a:p>
@@ -15129,8 +15129,8 @@
           <a:lstStyle/>
           <a:p>
             <a:r>
-              <a:rPr lang="en-US" altLang="ko-KR"/>
-              <a:t>tester</a:t>
+              <a:rPr lang="en-US" altLang="ko-KR" dirty="0"/>
+              <a:t>DS Unit Test</a:t>
             </a:r>
             <a:endParaRPr lang="ko-KR" altLang="en-US" dirty="0"/>
           </a:p>

--- a/DsDotNet/src/UnitTest/UnitTest.Model/ImportOfficeExample/Sample/Lib/tester.pptx
+++ b/DsDotNet/src/UnitTest/UnitTest.Model/ImportOfficeExample/Sample/Lib/tester.pptx
@@ -216,7 +216,7 @@
           <a:p>
             <a:fld id="{DD503887-5801-43A0-AEF9-041E8DDC2558}" type="datetimeFigureOut">
               <a:rPr lang="ko-KR" altLang="en-US" smtClean="0"/>
-              <a:t>2023-01-23</a:t>
+              <a:t>2024-03-13</a:t>
             </a:fld>
             <a:endParaRPr lang="ko-KR" altLang="en-US" dirty="0"/>
           </a:p>
@@ -393,7 +393,7 @@
           <a:p>
             <a:fld id="{95336A0E-57B1-4D4C-BD9B-2F72B5943464}" type="datetimeFigureOut">
               <a:rPr lang="ko-KR" altLang="en-US" smtClean="0"/>
-              <a:t>2023-01-23</a:t>
+              <a:t>2024-03-13</a:t>
             </a:fld>
             <a:endParaRPr lang="ko-KR" altLang="en-US" dirty="0"/>
           </a:p>
@@ -1031,7 +1031,7 @@
           <a:p>
             <a:fld id="{229D12C7-0FF5-4972-A033-474EFFC79F40}" type="datetime1">
               <a:rPr lang="ko-KR" altLang="en-US" smtClean="0"/>
-              <a:t>2023-01-23</a:t>
+              <a:t>2024-03-13</a:t>
             </a:fld>
             <a:endParaRPr lang="ko-KR" altLang="en-US" dirty="0"/>
           </a:p>
@@ -1349,7 +1349,7 @@
           <a:p>
             <a:fld id="{C984B0C4-64BA-4E4C-B5E6-A51EE3F6ED95}" type="datetime1">
               <a:rPr lang="ko-KR" altLang="en-US" smtClean="0"/>
-              <a:t>2023-01-23</a:t>
+              <a:t>2024-03-13</a:t>
             </a:fld>
             <a:endParaRPr lang="ko-KR" altLang="en-US" dirty="0"/>
           </a:p>
@@ -1838,7 +1838,7 @@
           <a:p>
             <a:fld id="{C984B0C4-64BA-4E4C-B5E6-A51EE3F6ED95}" type="datetime1">
               <a:rPr lang="ko-KR" altLang="en-US" smtClean="0"/>
-              <a:t>2023-01-23</a:t>
+              <a:t>2024-03-13</a:t>
             </a:fld>
             <a:endParaRPr lang="ko-KR" altLang="en-US" dirty="0"/>
           </a:p>
@@ -2208,7 +2208,7 @@
           <a:p>
             <a:fld id="{C984B0C4-64BA-4E4C-B5E6-A51EE3F6ED95}" type="datetime1">
               <a:rPr lang="ko-KR" altLang="en-US" smtClean="0"/>
-              <a:t>2023-01-23</a:t>
+              <a:t>2024-03-13</a:t>
             </a:fld>
             <a:endParaRPr lang="ko-KR" altLang="en-US" dirty="0"/>
           </a:p>
@@ -2482,7 +2482,7 @@
           <a:p>
             <a:fld id="{5BA19FD4-B052-4F56-8FD8-EAFD078DEFB0}" type="datetime1">
               <a:rPr lang="ko-KR" altLang="en-US" smtClean="0"/>
-              <a:t>2023-01-23</a:t>
+              <a:t>2024-03-13</a:t>
             </a:fld>
             <a:endParaRPr lang="ko-KR" altLang="en-US" dirty="0"/>
           </a:p>
@@ -2767,7 +2767,7 @@
           <a:p>
             <a:fld id="{024994B9-23A6-4B0A-A038-AC140E83DAA3}" type="datetime1">
               <a:rPr lang="ko-KR" altLang="en-US" smtClean="0"/>
-              <a:t>2023-01-23</a:t>
+              <a:t>2024-03-13</a:t>
             </a:fld>
             <a:endParaRPr lang="ko-KR" altLang="en-US" dirty="0"/>
           </a:p>
@@ -2897,7 +2897,7 @@
           <a:p>
             <a:fld id="{B5B1BBC2-B738-4C35-AEE5-660EB2DEB482}" type="datetime1">
               <a:rPr lang="ko-KR" altLang="en-US" smtClean="0"/>
-              <a:t>2023-01-23</a:t>
+              <a:t>2024-03-13</a:t>
             </a:fld>
             <a:endParaRPr lang="ko-KR" altLang="en-US" dirty="0"/>
           </a:p>
@@ -7661,7 +7661,7 @@
           <a:p>
             <a:fld id="{70D0DAB2-87CB-4028-B965-3AA710ADF2CB}" type="datetime1">
               <a:rPr lang="ko-KR" altLang="en-US" smtClean="0"/>
-              <a:t>2023-01-23</a:t>
+              <a:t>2024-03-13</a:t>
             </a:fld>
             <a:endParaRPr lang="ko-KR" altLang="en-US" dirty="0"/>
           </a:p>
@@ -8004,7 +8004,7 @@
           <a:p>
             <a:fld id="{63FA3D71-FEA8-477F-9D1E-EA860F411BC7}" type="datetime1">
               <a:rPr lang="ko-KR" altLang="en-US" smtClean="0"/>
-              <a:t>2023-01-23</a:t>
+              <a:t>2024-03-13</a:t>
             </a:fld>
             <a:endParaRPr lang="ko-KR" altLang="en-US" dirty="0"/>
           </a:p>
@@ -8343,7 +8343,7 @@
           <a:p>
             <a:fld id="{F58E3EF4-7980-4C97-BA64-EC66995BB574}" type="datetime1">
               <a:rPr lang="ko-KR" altLang="en-US" smtClean="0"/>
-              <a:t>2023-01-23</a:t>
+              <a:t>2024-03-13</a:t>
             </a:fld>
             <a:endParaRPr lang="ko-KR" altLang="en-US" dirty="0"/>
           </a:p>
@@ -8820,7 +8820,7 @@
           <a:p>
             <a:fld id="{FC9BC1D0-7D6B-4634-9D19-644040D74EAE}" type="datetime1">
               <a:rPr lang="ko-KR" altLang="en-US" smtClean="0"/>
-              <a:t>2023-01-23</a:t>
+              <a:t>2024-03-13</a:t>
             </a:fld>
             <a:endParaRPr lang="ko-KR" altLang="en-US" dirty="0"/>
           </a:p>
@@ -9041,7 +9041,7 @@
           <a:p>
             <a:fld id="{B5B1BBC2-B738-4C35-AEE5-660EB2DEB482}" type="datetime1">
               <a:rPr lang="ko-KR" altLang="en-US" smtClean="0"/>
-              <a:t>2023-01-23</a:t>
+              <a:t>2024-03-13</a:t>
             </a:fld>
             <a:endParaRPr lang="ko-KR" altLang="en-US" dirty="0"/>
           </a:p>
@@ -13605,7 +13605,7 @@
           <a:p>
             <a:fld id="{C60E9F93-7E77-4F36-B88C-A425F00C8D91}" type="datetime1">
               <a:rPr lang="ko-KR" altLang="en-US" smtClean="0"/>
-              <a:t>2023-01-23</a:t>
+              <a:t>2024-03-13</a:t>
             </a:fld>
             <a:endParaRPr lang="ko-KR" altLang="en-US" dirty="0"/>
           </a:p>
@@ -14072,7 +14072,7 @@
           <a:p>
             <a:fld id="{36BCCD0E-2A54-4016-BFFC-FEAABCDA6915}" type="datetime1">
               <a:rPr lang="ko-KR" altLang="en-US" smtClean="0"/>
-              <a:t>2023-01-23</a:t>
+              <a:t>2024-03-13</a:t>
             </a:fld>
             <a:endParaRPr lang="ko-KR" altLang="en-US" dirty="0"/>
           </a:p>
@@ -14385,7 +14385,7 @@
           <a:p>
             <a:fld id="{C984B0C4-64BA-4E4C-B5E6-A51EE3F6ED95}" type="datetime1">
               <a:rPr lang="ko-KR" altLang="en-US" smtClean="0"/>
-              <a:t>2023-01-23</a:t>
+              <a:t>2024-03-13</a:t>
             </a:fld>
             <a:endParaRPr lang="ko-KR" altLang="en-US" dirty="0"/>
           </a:p>
@@ -14656,7 +14656,7 @@
           <a:p>
             <a:fld id="{C984B0C4-64BA-4E4C-B5E6-A51EE3F6ED95}" type="datetime1">
               <a:rPr lang="ko-KR" altLang="en-US" smtClean="0"/>
-              <a:t>2023-01-23</a:t>
+              <a:t>2024-03-13</a:t>
             </a:fld>
             <a:endParaRPr lang="ko-KR" altLang="en-US" dirty="0"/>
           </a:p>
@@ -15360,7 +15360,7 @@
               <a:rPr lang="en-US" altLang="ko-KR" sz="1800" dirty="0">
                 <a:ea typeface="현대하모니 M" panose="02020603020101020101"/>
               </a:rPr>
-              <a:t>[~R2]</a:t>
+              <a:t>[R2 ~R2]</a:t>
             </a:r>
             <a:endParaRPr lang="ko-KR" altLang="en-US" sz="1800" dirty="0">
               <a:ea typeface="현대하모니 M" panose="02020603020101020101"/>
@@ -15468,6 +15468,55 @@
           </a:p>
         </p:txBody>
       </p:sp>
+      <p:cxnSp>
+        <p:nvCxnSpPr>
+          <p:cNvPr id="9" name="연결선: 꺾임 8">
+            <a:extLst>
+              <a:ext uri="{FF2B5EF4-FFF2-40B4-BE49-F238E27FC236}">
+                <a16:creationId xmlns:a16="http://schemas.microsoft.com/office/drawing/2014/main" id="{96EDB09B-BD6B-9A2F-D9E6-FC817D72DF21}"/>
+              </a:ext>
+            </a:extLst>
+          </p:cNvPr>
+          <p:cNvCxnSpPr>
+            <a:cxnSpLocks/>
+            <a:stCxn id="3" idx="2"/>
+            <a:endCxn id="6" idx="0"/>
+          </p:cNvCxnSpPr>
+          <p:nvPr/>
+        </p:nvCxnSpPr>
+        <p:spPr>
+          <a:xfrm rot="5400000" flipH="1" flipV="1">
+            <a:off x="5322497" y="2238555"/>
+            <a:ext cx="1880559" cy="3528203"/>
+          </a:xfrm>
+          <a:prstGeom prst="bentConnector5">
+            <a:avLst>
+              <a:gd name="adj1" fmla="val -12156"/>
+              <a:gd name="adj2" fmla="val 50000"/>
+              <a:gd name="adj3" fmla="val 112156"/>
+            </a:avLst>
+          </a:prstGeom>
+          <a:ln w="25400">
+            <a:prstDash val="dash"/>
+            <a:headEnd type="triangle"/>
+            <a:tailEnd type="triangle"/>
+          </a:ln>
+        </p:spPr>
+        <p:style>
+          <a:lnRef idx="1">
+            <a:schemeClr val="accent1"/>
+          </a:lnRef>
+          <a:fillRef idx="0">
+            <a:schemeClr val="accent1"/>
+          </a:fillRef>
+          <a:effectRef idx="0">
+            <a:schemeClr val="accent1"/>
+          </a:effectRef>
+          <a:fontRef idx="minor">
+            <a:schemeClr val="tx1"/>
+          </a:fontRef>
+        </p:style>
+      </p:cxnSp>
     </p:spTree>
     <p:extLst>
       <p:ext uri="{BB962C8B-B14F-4D97-AF65-F5344CB8AC3E}">
